--- a/03-h-Mn/Pictures/PumpSimu.pptx
+++ b/03-h-Mn/Pictures/PumpSimu.pptx
@@ -288,7 +288,7 @@
           <a:p>
             <a:fld id="{311DF4DF-4B81-42F9-8200-A2ABC3063575}" type="datetimeFigureOut">
               <a:rPr lang="fr-FR" smtClean="0"/>
-              <a:t>12/07/2017</a:t>
+              <a:t>13/07/2017</a:t>
             </a:fld>
             <a:endParaRPr lang="fr-FR"/>
           </a:p>
@@ -458,7 +458,7 @@
           <a:p>
             <a:fld id="{311DF4DF-4B81-42F9-8200-A2ABC3063575}" type="datetimeFigureOut">
               <a:rPr lang="fr-FR" smtClean="0"/>
-              <a:t>12/07/2017</a:t>
+              <a:t>13/07/2017</a:t>
             </a:fld>
             <a:endParaRPr lang="fr-FR"/>
           </a:p>
@@ -638,7 +638,7 @@
           <a:p>
             <a:fld id="{311DF4DF-4B81-42F9-8200-A2ABC3063575}" type="datetimeFigureOut">
               <a:rPr lang="fr-FR" smtClean="0"/>
-              <a:t>12/07/2017</a:t>
+              <a:t>13/07/2017</a:t>
             </a:fld>
             <a:endParaRPr lang="fr-FR"/>
           </a:p>
@@ -808,7 +808,7 @@
           <a:p>
             <a:fld id="{311DF4DF-4B81-42F9-8200-A2ABC3063575}" type="datetimeFigureOut">
               <a:rPr lang="fr-FR" smtClean="0"/>
-              <a:t>12/07/2017</a:t>
+              <a:t>13/07/2017</a:t>
             </a:fld>
             <a:endParaRPr lang="fr-FR"/>
           </a:p>
@@ -1054,7 +1054,7 @@
           <a:p>
             <a:fld id="{311DF4DF-4B81-42F9-8200-A2ABC3063575}" type="datetimeFigureOut">
               <a:rPr lang="fr-FR" smtClean="0"/>
-              <a:t>12/07/2017</a:t>
+              <a:t>13/07/2017</a:t>
             </a:fld>
             <a:endParaRPr lang="fr-FR"/>
           </a:p>
@@ -1342,7 +1342,7 @@
           <a:p>
             <a:fld id="{311DF4DF-4B81-42F9-8200-A2ABC3063575}" type="datetimeFigureOut">
               <a:rPr lang="fr-FR" smtClean="0"/>
-              <a:t>12/07/2017</a:t>
+              <a:t>13/07/2017</a:t>
             </a:fld>
             <a:endParaRPr lang="fr-FR"/>
           </a:p>
@@ -1769,7 +1769,7 @@
           <a:p>
             <a:fld id="{311DF4DF-4B81-42F9-8200-A2ABC3063575}" type="datetimeFigureOut">
               <a:rPr lang="fr-FR" smtClean="0"/>
-              <a:t>12/07/2017</a:t>
+              <a:t>13/07/2017</a:t>
             </a:fld>
             <a:endParaRPr lang="fr-FR"/>
           </a:p>
@@ -1887,7 +1887,7 @@
           <a:p>
             <a:fld id="{311DF4DF-4B81-42F9-8200-A2ABC3063575}" type="datetimeFigureOut">
               <a:rPr lang="fr-FR" smtClean="0"/>
-              <a:t>12/07/2017</a:t>
+              <a:t>13/07/2017</a:t>
             </a:fld>
             <a:endParaRPr lang="fr-FR"/>
           </a:p>
@@ -1982,7 +1982,7 @@
           <a:p>
             <a:fld id="{311DF4DF-4B81-42F9-8200-A2ABC3063575}" type="datetimeFigureOut">
               <a:rPr lang="fr-FR" smtClean="0"/>
-              <a:t>12/07/2017</a:t>
+              <a:t>13/07/2017</a:t>
             </a:fld>
             <a:endParaRPr lang="fr-FR"/>
           </a:p>
@@ -2259,7 +2259,7 @@
           <a:p>
             <a:fld id="{311DF4DF-4B81-42F9-8200-A2ABC3063575}" type="datetimeFigureOut">
               <a:rPr lang="fr-FR" smtClean="0"/>
-              <a:t>12/07/2017</a:t>
+              <a:t>13/07/2017</a:t>
             </a:fld>
             <a:endParaRPr lang="fr-FR"/>
           </a:p>
@@ -2512,7 +2512,7 @@
           <a:p>
             <a:fld id="{311DF4DF-4B81-42F9-8200-A2ABC3063575}" type="datetimeFigureOut">
               <a:rPr lang="fr-FR" smtClean="0"/>
-              <a:t>12/07/2017</a:t>
+              <a:t>13/07/2017</a:t>
             </a:fld>
             <a:endParaRPr lang="fr-FR"/>
           </a:p>
@@ -2725,7 +2725,7 @@
           <a:p>
             <a:fld id="{311DF4DF-4B81-42F9-8200-A2ABC3063575}" type="datetimeFigureOut">
               <a:rPr lang="fr-FR" smtClean="0"/>
-              <a:t>12/07/2017</a:t>
+              <a:t>13/07/2017</a:t>
             </a:fld>
             <a:endParaRPr lang="fr-FR"/>
           </a:p>
@@ -3102,7 +3102,7 @@
       </p:grpSpPr>
       <p:pic>
         <p:nvPicPr>
-          <p:cNvPr id="9" name="Picture 2"/>
+          <p:cNvPr id="1026" name="Picture 2"/>
           <p:cNvPicPr>
             <a:picLocks noChangeAspect="1" noChangeArrowheads="1"/>
           </p:cNvPicPr>
@@ -3123,8 +3123,8 @@
         </p:blipFill>
         <p:spPr bwMode="auto">
           <a:xfrm>
-            <a:off x="-36512" y="-171400"/>
-            <a:ext cx="7615237" cy="8615363"/>
+            <a:off x="-89991" y="-180280"/>
+            <a:ext cx="7615238" cy="8615363"/>
           </a:xfrm>
           <a:prstGeom prst="rect">
             <a:avLst/>
